--- a/Research/Chapter1_Inheritance&InnerClass_Nghĩa-Huy.pptx
+++ b/Research/Chapter1_Inheritance&InnerClass_Nghĩa-Huy.pptx
@@ -11534,14 +11534,14 @@
           <p:nvPr>
             <p:extLst>
               <p:ext uri="{D42A27DB-BD31-4B8C-83A1-F6EECF244321}">
-                <p14:modId xmlns:p14="http://schemas.microsoft.com/office/powerpoint/2010/main" val="1372521609"/>
+                <p14:modId xmlns:p14="http://schemas.microsoft.com/office/powerpoint/2010/main" val="3932749646"/>
               </p:ext>
             </p:extLst>
           </p:nvPr>
         </p:nvGraphicFramePr>
         <p:xfrm>
           <a:off x="726349" y="1443209"/>
-          <a:ext cx="8172350" cy="4303095"/>
+          <a:ext cx="8172350" cy="4492860"/>
         </p:xfrm>
         <a:graphic>
           <a:graphicData uri="http://schemas.openxmlformats.org/drawingml/2006/table">
@@ -11874,8 +11874,13 @@
                       </a:r>
                       <a:r>
                         <a:rPr lang="en-US" sz="1800" dirty="0"/>
-                        <a:t> final.</a:t>
-                      </a:r>
+                        <a:t> </a:t>
+                      </a:r>
+                      <a:r>
+                        <a:rPr lang="en-US" sz="1800" dirty="0" smtClean="0"/>
+                        <a:t>final, static.</a:t>
+                      </a:r>
+                      <a:endParaRPr lang="en-US" sz="1800" dirty="0"/>
                     </a:p>
                   </a:txBody>
                   <a:tcPr marL="91450" marR="91450" marT="45725" marB="45725">
@@ -11930,8 +11935,52 @@
                         <a:buNone/>
                       </a:pPr>
                       <a:r>
-                        <a:rPr lang="en-US" sz="1800"/>
-                        <a:t>Chứa thuộc tính final và biến.</a:t>
+                        <a:rPr lang="en-US" sz="1800" dirty="0" err="1"/>
+                        <a:t>Chứa</a:t>
+                      </a:r>
+                      <a:r>
+                        <a:rPr lang="en-US" sz="1800" dirty="0"/>
+                        <a:t> </a:t>
+                      </a:r>
+                      <a:r>
+                        <a:rPr lang="en-US" sz="1800" dirty="0" err="1"/>
+                        <a:t>thuộc</a:t>
+                      </a:r>
+                      <a:r>
+                        <a:rPr lang="en-US" sz="1800" dirty="0"/>
+                        <a:t> </a:t>
+                      </a:r>
+                      <a:r>
+                        <a:rPr lang="en-US" sz="1800" dirty="0" err="1"/>
+                        <a:t>tính</a:t>
+                      </a:r>
+                      <a:r>
+                        <a:rPr lang="en-US" sz="1800" dirty="0"/>
+                        <a:t> </a:t>
+                      </a:r>
+                      <a:r>
+                        <a:rPr lang="en-US" sz="1800" dirty="0" err="1" smtClean="0"/>
+                        <a:t>final,static</a:t>
+                      </a:r>
+                      <a:r>
+                        <a:rPr lang="en-US" sz="1800" dirty="0" smtClean="0"/>
+                        <a:t> </a:t>
+                      </a:r>
+                      <a:r>
+                        <a:rPr lang="en-US" sz="1800" dirty="0" err="1"/>
+                        <a:t>và</a:t>
+                      </a:r>
+                      <a:r>
+                        <a:rPr lang="en-US" sz="1800" dirty="0"/>
+                        <a:t> </a:t>
+                      </a:r>
+                      <a:r>
+                        <a:rPr lang="en-US" sz="1800" dirty="0" err="1"/>
+                        <a:t>biến</a:t>
+                      </a:r>
+                      <a:r>
+                        <a:rPr lang="en-US" sz="1800" dirty="0"/>
+                        <a:t>.</a:t>
                       </a:r>
                     </a:p>
                   </a:txBody>
@@ -12037,11 +12086,11 @@
                         <a:t> </a:t>
                       </a:r>
                       <a:r>
-                        <a:rPr lang="en-US" sz="1800" dirty="0" err="1"/>
-                        <a:t>chửa</a:t>
-                      </a:r>
-                      <a:r>
-                        <a:rPr lang="en-US" sz="1800" dirty="0"/>
+                        <a:rPr lang="en-US" sz="1800" dirty="0" err="1" smtClean="0"/>
+                        <a:t>chứa</a:t>
+                      </a:r>
+                      <a:r>
+                        <a:rPr lang="en-US" sz="1800" dirty="0" smtClean="0"/>
                         <a:t> </a:t>
                       </a:r>
                       <a:r>
@@ -12345,29 +12394,38 @@
                         <a:t> </a:t>
                       </a:r>
                       <a:r>
-                        <a:rPr lang="en-US" sz="1800" dirty="0" err="1"/>
+                        <a:rPr lang="en-US" sz="1800" dirty="0" err="1" smtClean="0"/>
                         <a:t>chứa</a:t>
                       </a:r>
                       <a:r>
-                        <a:rPr lang="en-US" sz="1800" dirty="0"/>
+                        <a:rPr lang="en-US" sz="1800" baseline="0" dirty="0" smtClean="0"/>
                         <a:t> </a:t>
                       </a:r>
                       <a:r>
-                        <a:rPr lang="en-US" sz="1800" dirty="0" err="1"/>
-                        <a:t>từ</a:t>
-                      </a:r>
-                      <a:r>
-                        <a:rPr lang="en-US" sz="1800" dirty="0"/>
+                        <a:rPr lang="en-US" sz="1800" baseline="0" dirty="0" err="1" smtClean="0"/>
+                        <a:t>phương</a:t>
+                      </a:r>
+                      <a:r>
+                        <a:rPr lang="en-US" sz="1800" baseline="0" dirty="0" smtClean="0"/>
                         <a:t> </a:t>
                       </a:r>
                       <a:r>
-                        <a:rPr lang="en-US" sz="1800" dirty="0" err="1"/>
-                        <a:t>khóa</a:t>
-                      </a:r>
-                      <a:r>
-                        <a:rPr lang="en-US" sz="1800" dirty="0"/>
-                        <a:t> static.</a:t>
-                      </a:r>
+                        <a:rPr lang="en-US" sz="1800" baseline="0" dirty="0" err="1" smtClean="0"/>
+                        <a:t>thức</a:t>
+                      </a:r>
+                      <a:r>
+                        <a:rPr lang="en-US" sz="1800" baseline="0" dirty="0" smtClean="0"/>
+                        <a:t> static, main </a:t>
+                      </a:r>
+                      <a:r>
+                        <a:rPr lang="en-US" sz="1800" baseline="0" dirty="0" err="1" smtClean="0"/>
+                        <a:t>và</a:t>
+                      </a:r>
+                      <a:r>
+                        <a:rPr lang="en-US" sz="1800" baseline="0" dirty="0" smtClean="0"/>
+                        <a:t> constructor.</a:t>
+                      </a:r>
+                      <a:endParaRPr lang="en-US" sz="1800" dirty="0"/>
                     </a:p>
                   </a:txBody>
                   <a:tcPr marL="91450" marR="91450" marT="45725" marB="45725">
@@ -12446,21 +12504,42 @@
                         <a:t> </a:t>
                       </a:r>
                       <a:r>
-                        <a:rPr lang="en-US" sz="1800" dirty="0" err="1"/>
+                        <a:rPr lang="en-US" sz="1800" dirty="0" err="1" smtClean="0"/>
                         <a:t>từ</a:t>
                       </a:r>
                       <a:r>
-                        <a:rPr lang="en-US" sz="1800" dirty="0"/>
+                        <a:rPr lang="en-US" sz="1800" baseline="0" dirty="0" smtClean="0"/>
                         <a:t> </a:t>
                       </a:r>
                       <a:r>
-                        <a:rPr lang="en-US" sz="1800" dirty="0" err="1"/>
-                        <a:t>khóa</a:t>
-                      </a:r>
-                      <a:r>
-                        <a:rPr lang="en-US" sz="1800" dirty="0"/>
-                        <a:t> static.</a:t>
-                      </a:r>
+                        <a:rPr lang="en-US" sz="1800" baseline="0" dirty="0" err="1" smtClean="0"/>
+                        <a:t>phương</a:t>
+                      </a:r>
+                      <a:r>
+                        <a:rPr lang="en-US" sz="1800" baseline="0" dirty="0" smtClean="0"/>
+                        <a:t> </a:t>
+                      </a:r>
+                      <a:r>
+                        <a:rPr lang="en-US" sz="1800" baseline="0" dirty="0" err="1" smtClean="0"/>
+                        <a:t>thức</a:t>
+                      </a:r>
+                      <a:r>
+                        <a:rPr lang="en-US" sz="1800" dirty="0" smtClean="0"/>
+                        <a:t> static, main </a:t>
+                      </a:r>
+                      <a:r>
+                        <a:rPr lang="en-US" sz="1800" dirty="0" err="1" smtClean="0"/>
+                        <a:t>và</a:t>
+                      </a:r>
+                      <a:r>
+                        <a:rPr lang="en-US" sz="1800" baseline="0" smtClean="0"/>
+                        <a:t> constructor</a:t>
+                      </a:r>
+                      <a:r>
+                        <a:rPr lang="en-US" sz="1800" smtClean="0"/>
+                        <a:t>.</a:t>
+                      </a:r>
+                      <a:endParaRPr lang="en-US" sz="1800" dirty="0"/>
                     </a:p>
                   </a:txBody>
                   <a:tcPr marL="91450" marR="91450" marT="45725" marB="45725">

--- a/Research/Chapter1_Inheritance&InnerClass_Nghĩa-Huy.pptx
+++ b/Research/Chapter1_Inheritance&InnerClass_Nghĩa-Huy.pptx
@@ -10434,9 +10434,10 @@
               <a:buNone/>
             </a:pPr>
             <a:r>
-              <a:rPr lang="en-US"/>
+              <a:rPr lang="en-US" dirty="0" smtClean="0"/>
               <a:t>Parent</a:t>
             </a:r>
+            <a:endParaRPr lang="en-US" dirty="0"/>
           </a:p>
           <a:p>
             <a:pPr lvl="0">
@@ -10445,7 +10446,7 @@
               </a:spcBef>
               <a:buNone/>
             </a:pPr>
-            <a:endParaRPr/>
+            <a:endParaRPr dirty="0"/>
           </a:p>
         </p:txBody>
       </p:sp>
@@ -10504,35 +10505,6 @@
             <a:round/>
             <a:headEnd type="none" w="lg" len="lg"/>
             <a:tailEnd type="triangle" w="lg" len="lg"/>
-          </a:ln>
-        </p:spPr>
-      </p:cxnSp>
-      <p:cxnSp>
-        <p:nvCxnSpPr>
-          <p:cNvPr id="18" name="Shape 157"/>
-          <p:cNvCxnSpPr>
-            <a:stCxn id="15" idx="4"/>
-            <a:endCxn id="14" idx="6"/>
-          </p:cNvCxnSpPr>
-          <p:nvPr/>
-        </p:nvCxnSpPr>
-        <p:spPr>
-          <a:xfrm flipH="1">
-            <a:off x="2767575" y="4870875"/>
-            <a:ext cx="957600" cy="675300"/>
-          </a:xfrm>
-          <a:prstGeom prst="straightConnector1">
-            <a:avLst/>
-          </a:prstGeom>
-          <a:noFill/>
-          <a:ln w="9525" cap="flat" cmpd="sng">
-            <a:solidFill>
-              <a:schemeClr val="dk2"/>
-            </a:solidFill>
-            <a:prstDash val="solid"/>
-            <a:round/>
-            <a:headEnd type="none" w="lg" len="lg"/>
-            <a:tailEnd type="none" w="lg" len="lg"/>
           </a:ln>
         </p:spPr>
       </p:cxnSp>
@@ -11534,7 +11506,7 @@
           <p:nvPr>
             <p:extLst>
               <p:ext uri="{D42A27DB-BD31-4B8C-83A1-F6EECF244321}">
-                <p14:modId xmlns:p14="http://schemas.microsoft.com/office/powerpoint/2010/main" val="3932749646"/>
+                <p14:modId xmlns:p14="http://schemas.microsoft.com/office/powerpoint/2010/main" val="3858534483"/>
               </p:ext>
             </p:extLst>
           </p:nvPr>
@@ -12737,13 +12709,74 @@
                         <a:t> </a:t>
                       </a:r>
                       <a:r>
-                        <a:rPr lang="en-US" sz="1800" dirty="0" err="1"/>
+                        <a:rPr lang="en-US" sz="1800" dirty="0" err="1" smtClean="0"/>
                         <a:t>hơn</a:t>
                       </a:r>
                       <a:r>
-                        <a:rPr lang="en-US" sz="1800" dirty="0"/>
+                        <a:rPr lang="en-US" sz="1800" baseline="0" dirty="0"/>
+                        <a:t> </a:t>
+                      </a:r>
+                      <a:r>
+                        <a:rPr lang="en-US" sz="1800" baseline="0" dirty="0" smtClean="0"/>
+                        <a:t>do </a:t>
+                      </a:r>
+                      <a:r>
+                        <a:rPr lang="en-US" sz="1800" baseline="0" dirty="0" err="1" smtClean="0"/>
+                        <a:t>chỉ</a:t>
+                      </a:r>
+                      <a:r>
+                        <a:rPr lang="en-US" sz="1800" baseline="0" dirty="0" smtClean="0"/>
+                        <a:t> </a:t>
+                      </a:r>
+                      <a:r>
+                        <a:rPr lang="en-US" sz="1800" baseline="0" dirty="0" err="1" smtClean="0"/>
+                        <a:t>cần</a:t>
+                      </a:r>
+                      <a:r>
+                        <a:rPr lang="en-US" sz="1800" baseline="0" dirty="0" smtClean="0"/>
+                        <a:t> implement </a:t>
+                      </a:r>
+                      <a:r>
+                        <a:rPr lang="en-US" sz="1800" baseline="0" dirty="0" err="1" smtClean="0"/>
+                        <a:t>những</a:t>
+                      </a:r>
+                      <a:r>
+                        <a:rPr lang="en-US" sz="1800" baseline="0" dirty="0" smtClean="0"/>
+                        <a:t> </a:t>
+                      </a:r>
+                      <a:r>
+                        <a:rPr lang="en-US" sz="1800" baseline="0" dirty="0" err="1" smtClean="0"/>
+                        <a:t>phương</a:t>
+                      </a:r>
+                      <a:r>
+                        <a:rPr lang="en-US" sz="1800" baseline="0" dirty="0" smtClean="0"/>
+                        <a:t> </a:t>
+                      </a:r>
+                      <a:r>
+                        <a:rPr lang="en-US" sz="1800" baseline="0" dirty="0" err="1" smtClean="0"/>
+                        <a:t>thức</a:t>
+                      </a:r>
+                      <a:r>
+                        <a:rPr lang="en-US" sz="1800" baseline="0" dirty="0" smtClean="0"/>
+                        <a:t> </a:t>
+                      </a:r>
+                      <a:r>
+                        <a:rPr lang="en-US" sz="1800" baseline="0" dirty="0" err="1" smtClean="0"/>
+                        <a:t>trừu</a:t>
+                      </a:r>
+                      <a:r>
+                        <a:rPr lang="en-US" sz="1800" baseline="0" dirty="0" smtClean="0"/>
+                        <a:t> </a:t>
+                      </a:r>
+                      <a:r>
+                        <a:rPr lang="en-US" sz="1800" baseline="0" dirty="0" err="1" smtClean="0"/>
+                        <a:t>tượng</a:t>
+                      </a:r>
+                      <a:r>
+                        <a:rPr lang="en-US" sz="1800" baseline="0" dirty="0" smtClean="0"/>
                         <a:t>.</a:t>
                       </a:r>
+                      <a:endParaRPr lang="en-US" sz="1800" dirty="0"/>
                     </a:p>
                   </a:txBody>
                   <a:tcPr marL="91450" marR="91450" marT="45725" marB="45725">
@@ -14302,7 +14335,7 @@
           <p:nvPr>
             <p:extLst>
               <p:ext uri="{D42A27DB-BD31-4B8C-83A1-F6EECF244321}">
-                <p14:modId xmlns:p14="http://schemas.microsoft.com/office/powerpoint/2010/main" val="2462334318"/>
+                <p14:modId xmlns:p14="http://schemas.microsoft.com/office/powerpoint/2010/main" val="1138253561"/>
               </p:ext>
             </p:extLst>
           </p:nvPr>
@@ -14548,21 +14581,56 @@
                         <a:buNone/>
                       </a:pPr>
                       <a:r>
-                        <a:rPr lang="en-US" sz="1800"/>
-                        <a:t>Inner class  phải ở trong cùng 1 file</a:t>
-                      </a:r>
-                    </a:p>
-                    <a:p>
-                      <a:pPr marL="0" marR="0" lvl="0" indent="0" algn="l" rtl="0">
-                        <a:spcBef>
-                          <a:spcPts val="0"/>
-                        </a:spcBef>
-                        <a:buSzPct val="25000"/>
-                        <a:buNone/>
-                      </a:pPr>
-                      <a:r>
-                        <a:rPr lang="en-US" sz="1800"/>
-                        <a:t>với outer class</a:t>
+                        <a:rPr lang="en-US" sz="1800" dirty="0" err="1" smtClean="0"/>
+                        <a:t>Khi</a:t>
+                      </a:r>
+                      <a:r>
+                        <a:rPr lang="en-US" sz="1800" dirty="0" smtClean="0"/>
+                        <a:t> </a:t>
+                      </a:r>
+                      <a:r>
+                        <a:rPr lang="en-US" sz="1800" dirty="0" err="1" smtClean="0"/>
+                        <a:t>viết</a:t>
+                      </a:r>
+                      <a:r>
+                        <a:rPr lang="en-US" sz="1800" baseline="0" dirty="0" smtClean="0"/>
+                        <a:t>, </a:t>
+                      </a:r>
+                      <a:r>
+                        <a:rPr lang="en-US" sz="1800" dirty="0" smtClean="0"/>
+                        <a:t>Inner </a:t>
+                      </a:r>
+                      <a:r>
+                        <a:rPr lang="en-US" sz="1800" dirty="0"/>
+                        <a:t>class  </a:t>
+                      </a:r>
+                      <a:r>
+                        <a:rPr lang="en-US" sz="1800" dirty="0" err="1"/>
+                        <a:t>phải</a:t>
+                      </a:r>
+                      <a:r>
+                        <a:rPr lang="en-US" sz="1800" dirty="0"/>
+                        <a:t> </a:t>
+                      </a:r>
+                      <a:r>
+                        <a:rPr lang="en-US" sz="1800" dirty="0" err="1" smtClean="0"/>
+                        <a:t>nằm</a:t>
+                      </a:r>
+                      <a:r>
+                        <a:rPr lang="en-US" sz="1800" baseline="0" dirty="0" smtClean="0"/>
+                        <a:t> </a:t>
+                      </a:r>
+                      <a:r>
+                        <a:rPr lang="en-US" sz="1800" baseline="0" dirty="0" err="1" smtClean="0"/>
+                        <a:t>trong</a:t>
+                      </a:r>
+                      <a:r>
+                        <a:rPr lang="en-US" sz="1800" dirty="0" smtClean="0"/>
+                        <a:t> </a:t>
+                      </a:r>
+                      <a:r>
+                        <a:rPr lang="en-US" sz="1800" dirty="0"/>
+                        <a:t>outer class</a:t>
                       </a:r>
                     </a:p>
                   </a:txBody>
@@ -14804,80 +14872,76 @@
                         <a:t> </a:t>
                       </a:r>
                       <a:r>
-                        <a:rPr lang="en-US" sz="1800" dirty="0" err="1"/>
+                        <a:rPr lang="en-US" sz="1800" dirty="0" err="1" smtClean="0"/>
+                        <a:t>thuộc</a:t>
+                      </a:r>
+                      <a:r>
+                        <a:rPr lang="en-US" sz="1800" baseline="0" dirty="0" smtClean="0"/>
+                        <a:t> </a:t>
+                      </a:r>
+                      <a:r>
+                        <a:rPr lang="en-US" sz="1800" baseline="0" dirty="0" err="1" smtClean="0"/>
+                        <a:t>tính</a:t>
+                      </a:r>
+                      <a:r>
+                        <a:rPr lang="en-US" sz="1800" baseline="0" dirty="0" smtClean="0"/>
+                        <a:t> </a:t>
+                      </a:r>
+                      <a:r>
+                        <a:rPr lang="en-US" sz="1800" baseline="0" dirty="0" err="1" smtClean="0"/>
+                        <a:t>của</a:t>
+                      </a:r>
+                      <a:r>
+                        <a:rPr lang="en-US" sz="1800" dirty="0" smtClean="0"/>
+                        <a:t> superclass </a:t>
+                      </a:r>
+                      <a:r>
+                        <a:rPr lang="en-US" sz="1800" dirty="0" err="1" smtClean="0"/>
+                        <a:t>chứ</a:t>
+                      </a:r>
+                      <a:r>
+                        <a:rPr lang="en-US" sz="1800" baseline="0" dirty="0" smtClean="0"/>
+                        <a:t> </a:t>
+                      </a:r>
+                      <a:r>
+                        <a:rPr lang="en-US" sz="1800" baseline="0" dirty="0" err="1" smtClean="0"/>
+                        <a:t>không</a:t>
+                      </a:r>
+                      <a:r>
+                        <a:rPr lang="en-US" sz="1800" baseline="0" dirty="0" smtClean="0"/>
+                        <a:t> </a:t>
+                      </a:r>
+                      <a:r>
+                        <a:rPr lang="en-US" sz="1800" baseline="0" dirty="0" err="1" smtClean="0"/>
+                        <a:t>kế</a:t>
+                      </a:r>
+                      <a:r>
+                        <a:rPr lang="en-US" sz="1800" baseline="0" dirty="0" smtClean="0"/>
+                        <a:t> </a:t>
+                      </a:r>
+                      <a:r>
+                        <a:rPr lang="en-US" sz="1800" baseline="0" dirty="0" err="1" smtClean="0"/>
+                        <a:t>thừa</a:t>
+                      </a:r>
+                      <a:r>
+                        <a:rPr lang="en-US" sz="1800" baseline="0" dirty="0" smtClean="0"/>
+                        <a:t> </a:t>
+                      </a:r>
+                      <a:r>
+                        <a:rPr lang="en-US" sz="1800" baseline="0" dirty="0" err="1" smtClean="0"/>
                         <a:t>giá</a:t>
                       </a:r>
                       <a:r>
-                        <a:rPr lang="en-US" sz="1800" dirty="0"/>
+                        <a:rPr lang="en-US" sz="1800" baseline="0" dirty="0" smtClean="0"/>
                         <a:t> </a:t>
                       </a:r>
                       <a:r>
-                        <a:rPr lang="en-US" sz="1800" dirty="0" err="1"/>
+                        <a:rPr lang="en-US" sz="1800" baseline="0" dirty="0" err="1" smtClean="0"/>
                         <a:t>trị</a:t>
                       </a:r>
                       <a:r>
-                        <a:rPr lang="en-US" sz="1800" dirty="0"/>
-                        <a:t> </a:t>
-                      </a:r>
-                      <a:r>
-                        <a:rPr lang="en-US" sz="1800" dirty="0" err="1"/>
-                        <a:t>của</a:t>
-                      </a:r>
-                      <a:r>
-                        <a:rPr lang="en-US" sz="1800" dirty="0"/>
-                        <a:t> </a:t>
-                      </a:r>
-                      <a:r>
-                        <a:rPr lang="en-US" sz="1800" dirty="0" err="1"/>
-                        <a:t>biến</a:t>
-                      </a:r>
-                      <a:r>
-                        <a:rPr lang="en-US" sz="1800" dirty="0"/>
-                        <a:t> </a:t>
-                      </a:r>
-                      <a:r>
-                        <a:rPr lang="en-US" sz="1800" dirty="0" err="1"/>
-                        <a:t>của</a:t>
-                      </a:r>
-                      <a:r>
-                        <a:rPr lang="en-US" sz="1800" dirty="0"/>
-                        <a:t> superclass </a:t>
-                      </a:r>
-                      <a:r>
-                        <a:rPr lang="en-US" sz="1800" dirty="0" err="1"/>
-                        <a:t>chứ</a:t>
-                      </a:r>
-                      <a:r>
-                        <a:rPr lang="en-US" sz="1800" dirty="0"/>
-                        <a:t> </a:t>
-                      </a:r>
-                      <a:r>
-                        <a:rPr lang="en-US" sz="1800" dirty="0" err="1"/>
-                        <a:t>không</a:t>
-                      </a:r>
-                      <a:r>
-                        <a:rPr lang="en-US" sz="1800" dirty="0"/>
-                        <a:t> </a:t>
-                      </a:r>
-                      <a:r>
-                        <a:rPr lang="en-US" sz="1800" dirty="0" err="1"/>
-                        <a:t>kế</a:t>
-                      </a:r>
-                      <a:r>
-                        <a:rPr lang="en-US" sz="1800" dirty="0"/>
-                        <a:t> </a:t>
-                      </a:r>
-                      <a:r>
-                        <a:rPr lang="en-US" sz="1800" dirty="0" err="1"/>
-                        <a:t>thừa</a:t>
-                      </a:r>
-                      <a:r>
-                        <a:rPr lang="en-US" sz="1800" dirty="0"/>
-                        <a:t> </a:t>
-                      </a:r>
-                      <a:r>
-                        <a:rPr lang="en-US" sz="1800" dirty="0" err="1"/>
-                        <a:t>biến</a:t>
+                        <a:rPr lang="en-US" sz="1800" dirty="0" smtClean="0"/>
+                        <a:t>.</a:t>
                       </a:r>
                       <a:endParaRPr lang="en-US" sz="1800" b="0" dirty="0"/>
                     </a:p>
